--- a/ELECTROSHOP.pptx
+++ b/ELECTROSHOP.pptx
@@ -289,7 +289,7 @@
           <a:p>
             <a:fld id="{1C8322F6-1C60-46CF-968C-BC20E470F443}" type="datetimeFigureOut">
               <a:rPr lang="en-US" smtClean="0"/>
-              <a:t>9/22/2024</a:t>
+              <a:t>10/20/2024</a:t>
             </a:fld>
             <a:endParaRPr lang="en-US"/>
           </a:p>
@@ -619,7 +619,7 @@
           <a:p>
             <a:fld id="{1C8322F6-1C60-46CF-968C-BC20E470F443}" type="datetimeFigureOut">
               <a:rPr lang="en-US" smtClean="0"/>
-              <a:t>9/22/2024</a:t>
+              <a:t>10/20/2024</a:t>
             </a:fld>
             <a:endParaRPr lang="en-US"/>
           </a:p>
@@ -799,7 +799,7 @@
           <a:p>
             <a:fld id="{1C8322F6-1C60-46CF-968C-BC20E470F443}" type="datetimeFigureOut">
               <a:rPr lang="en-US" smtClean="0"/>
-              <a:t>9/22/2024</a:t>
+              <a:t>10/20/2024</a:t>
             </a:fld>
             <a:endParaRPr lang="en-US"/>
           </a:p>
@@ -969,7 +969,7 @@
           <a:p>
             <a:fld id="{1C8322F6-1C60-46CF-968C-BC20E470F443}" type="datetimeFigureOut">
               <a:rPr lang="en-US" smtClean="0"/>
-              <a:t>9/22/2024</a:t>
+              <a:t>10/20/2024</a:t>
             </a:fld>
             <a:endParaRPr lang="en-US"/>
           </a:p>
@@ -1246,7 +1246,7 @@
           <a:p>
             <a:fld id="{1C8322F6-1C60-46CF-968C-BC20E470F443}" type="datetimeFigureOut">
               <a:rPr lang="en-US" smtClean="0"/>
-              <a:t>9/22/2024</a:t>
+              <a:t>10/20/2024</a:t>
             </a:fld>
             <a:endParaRPr lang="en-US"/>
           </a:p>
@@ -1640,7 +1640,7 @@
           <a:p>
             <a:fld id="{1C8322F6-1C60-46CF-968C-BC20E470F443}" type="datetimeFigureOut">
               <a:rPr lang="en-US" smtClean="0"/>
-              <a:t>9/22/2024</a:t>
+              <a:t>10/20/2024</a:t>
             </a:fld>
             <a:endParaRPr lang="en-US"/>
           </a:p>
@@ -2117,7 +2117,7 @@
           <a:p>
             <a:fld id="{1C8322F6-1C60-46CF-968C-BC20E470F443}" type="datetimeFigureOut">
               <a:rPr lang="en-US" smtClean="0"/>
-              <a:t>9/22/2024</a:t>
+              <a:t>10/20/2024</a:t>
             </a:fld>
             <a:endParaRPr lang="en-US"/>
           </a:p>
@@ -2235,7 +2235,7 @@
           <a:p>
             <a:fld id="{1C8322F6-1C60-46CF-968C-BC20E470F443}" type="datetimeFigureOut">
               <a:rPr lang="en-US" smtClean="0"/>
-              <a:t>9/22/2024</a:t>
+              <a:t>10/20/2024</a:t>
             </a:fld>
             <a:endParaRPr lang="en-US"/>
           </a:p>
@@ -2330,7 +2330,7 @@
           <a:p>
             <a:fld id="{1C8322F6-1C60-46CF-968C-BC20E470F443}" type="datetimeFigureOut">
               <a:rPr lang="en-US" smtClean="0"/>
-              <a:t>9/22/2024</a:t>
+              <a:t>10/20/2024</a:t>
             </a:fld>
             <a:endParaRPr lang="en-US"/>
           </a:p>
@@ -2676,7 +2676,7 @@
           <a:p>
             <a:fld id="{1C8322F6-1C60-46CF-968C-BC20E470F443}" type="datetimeFigureOut">
               <a:rPr lang="en-US" smtClean="0"/>
-              <a:t>9/22/2024</a:t>
+              <a:t>10/20/2024</a:t>
             </a:fld>
             <a:endParaRPr lang="en-US"/>
           </a:p>
@@ -3064,7 +3064,7 @@
           <a:p>
             <a:fld id="{1C8322F6-1C60-46CF-968C-BC20E470F443}" type="datetimeFigureOut">
               <a:rPr lang="en-US" smtClean="0"/>
-              <a:t>9/22/2024</a:t>
+              <a:t>10/20/2024</a:t>
             </a:fld>
             <a:endParaRPr lang="en-US"/>
           </a:p>
@@ -3342,7 +3342,7 @@
           <a:p>
             <a:fld id="{1C8322F6-1C60-46CF-968C-BC20E470F443}" type="datetimeFigureOut">
               <a:rPr lang="en-US" smtClean="0"/>
-              <a:t>9/22/2024</a:t>
+              <a:t>10/20/2024</a:t>
             </a:fld>
             <a:endParaRPr lang="en-US"/>
           </a:p>
@@ -4472,14 +4472,14 @@
                 <a:latin typeface="Arial" panose="020B0604020202020204" pitchFamily="34" charset="0"/>
                 <a:cs typeface="Arial" panose="020B0604020202020204" pitchFamily="34" charset="0"/>
               </a:rPr>
-              <a:t>GESTIÓN DE CLIENTES : </a:t>
+              <a:t>SEGUIMIENTO DE PEDIDOS: </a:t>
             </a:r>
             <a:r>
               <a:rPr lang="es-PE" sz="2400" dirty="0">
                 <a:latin typeface="Arial" panose="020B0604020202020204" pitchFamily="34" charset="0"/>
                 <a:cs typeface="Arial" panose="020B0604020202020204" pitchFamily="34" charset="0"/>
               </a:rPr>
-              <a:t>Permitirá al vendedor un accedo fácilmente a los datos del cliente , como su historial de compras, facilitando la comunicación y mejorando la experiencia del cliente.</a:t>
+              <a:t>Permitirá al vendedor un accedo fácilmente al historial de compras, facilitando la comunicación y mejorando la experiencia del cliente.</a:t>
             </a:r>
           </a:p>
         </p:txBody>
@@ -4640,7 +4640,7 @@
         <p:spPr>
           <a:xfrm>
             <a:off x="993913" y="2332383"/>
-            <a:ext cx="10508974" cy="1938992"/>
+            <a:ext cx="10508974" cy="1200329"/>
           </a:xfrm>
           <a:prstGeom prst="rect">
             <a:avLst/>
@@ -4662,7 +4662,7 @@
             </a:r>
             <a:r>
               <a:rPr lang="es-PE" sz="2400" dirty="0"/>
-              <a:t>En este proceso el sistema nos permitirá generar informes automáticos  sobre las ventas realizadas, el inventario, el historial de los clientes, entre otros . Esto facilitara identificar los productos más vendidos de la tienda , así mismo , un análisis de la ganancia de cada uno de ellos.</a:t>
+              <a:t>En este proceso el sistema nos permitirá generar gráficos estadísticos automáticos sobre los productos más y menos demandados por su categoría/marca. </a:t>
             </a:r>
           </a:p>
         </p:txBody>
@@ -4804,7 +4804,7 @@
         </p:nvSpPr>
         <p:spPr>
           <a:xfrm>
-            <a:off x="1444487" y="2186609"/>
+            <a:off x="1459056" y="1951037"/>
             <a:ext cx="2822713" cy="369332"/>
           </a:xfrm>
           <a:prstGeom prst="rect">
@@ -4842,7 +4842,7 @@
         </p:nvSpPr>
         <p:spPr>
           <a:xfrm>
-            <a:off x="6096000" y="2157127"/>
+            <a:off x="6213987" y="1997203"/>
             <a:ext cx="4439478" cy="646331"/>
           </a:xfrm>
           <a:prstGeom prst="rect">
@@ -4880,7 +4880,7 @@
         </p:nvSpPr>
         <p:spPr>
           <a:xfrm>
-            <a:off x="1669774" y="4412974"/>
+            <a:off x="1770461" y="4345377"/>
             <a:ext cx="3048000" cy="369332"/>
           </a:xfrm>
           <a:prstGeom prst="rect">
@@ -4896,11 +4896,191 @@
           <a:p>
             <a:r>
               <a:rPr lang="es-PE" dirty="0"/>
-              <a:t>CASOS UDO DE NEGOCIO</a:t>
-            </a:r>
-          </a:p>
-        </p:txBody>
-      </p:sp>
+              <a:t>CASOS USO DE NEGOCIO</a:t>
+            </a:r>
+          </a:p>
+        </p:txBody>
+      </p:sp>
+      <p:pic>
+        <p:nvPicPr>
+          <p:cNvPr id="2" name="Imagen 1">
+            <a:extLst>
+              <a:ext uri="{FF2B5EF4-FFF2-40B4-BE49-F238E27FC236}">
+                <a16:creationId xmlns:a16="http://schemas.microsoft.com/office/drawing/2014/main" id="{048BF5E9-DB62-EA55-F830-E316BEE614BB}"/>
+              </a:ext>
+            </a:extLst>
+          </p:cNvPr>
+          <p:cNvPicPr>
+            <a:picLocks noChangeAspect="1"/>
+          </p:cNvPicPr>
+          <p:nvPr/>
+        </p:nvPicPr>
+        <p:blipFill>
+          <a:blip r:embed="rId3"/>
+          <a:stretch>
+            <a:fillRect/>
+          </a:stretch>
+        </p:blipFill>
+        <p:spPr>
+          <a:xfrm>
+            <a:off x="6600888" y="2879495"/>
+            <a:ext cx="4223262" cy="2435841"/>
+          </a:xfrm>
+          <a:prstGeom prst="rect">
+            <a:avLst/>
+          </a:prstGeom>
+        </p:spPr>
+      </p:pic>
+      <p:pic>
+        <p:nvPicPr>
+          <p:cNvPr id="7" name="Imagen 6">
+            <a:extLst>
+              <a:ext uri="{FF2B5EF4-FFF2-40B4-BE49-F238E27FC236}">
+                <a16:creationId xmlns:a16="http://schemas.microsoft.com/office/drawing/2014/main" id="{DA0C2E63-7CD1-1458-A9A7-CB01FBDF7495}"/>
+              </a:ext>
+            </a:extLst>
+          </p:cNvPr>
+          <p:cNvPicPr>
+            <a:picLocks noChangeAspect="1"/>
+          </p:cNvPicPr>
+          <p:nvPr/>
+        </p:nvPicPr>
+        <p:blipFill>
+          <a:blip r:embed="rId4"/>
+          <a:stretch>
+            <a:fillRect/>
+          </a:stretch>
+        </p:blipFill>
+        <p:spPr>
+          <a:xfrm>
+            <a:off x="1845767" y="4785728"/>
+            <a:ext cx="1136991" cy="1963893"/>
+          </a:xfrm>
+          <a:prstGeom prst="rect">
+            <a:avLst/>
+          </a:prstGeom>
+        </p:spPr>
+      </p:pic>
+      <p:pic>
+        <p:nvPicPr>
+          <p:cNvPr id="9" name="Imagen 8">
+            <a:extLst>
+              <a:ext uri="{FF2B5EF4-FFF2-40B4-BE49-F238E27FC236}">
+                <a16:creationId xmlns:a16="http://schemas.microsoft.com/office/drawing/2014/main" id="{4DBC2AD1-42DF-0F91-CB0C-D3F88EAE3F5A}"/>
+              </a:ext>
+            </a:extLst>
+          </p:cNvPr>
+          <p:cNvPicPr>
+            <a:picLocks noChangeAspect="1"/>
+          </p:cNvPicPr>
+          <p:nvPr/>
+        </p:nvPicPr>
+        <p:blipFill>
+          <a:blip r:embed="rId5"/>
+          <a:stretch>
+            <a:fillRect/>
+          </a:stretch>
+        </p:blipFill>
+        <p:spPr>
+          <a:xfrm>
+            <a:off x="1659818" y="2458458"/>
+            <a:ext cx="754445" cy="1707028"/>
+          </a:xfrm>
+          <a:prstGeom prst="rect">
+            <a:avLst/>
+          </a:prstGeom>
+        </p:spPr>
+      </p:pic>
+      <p:pic>
+        <p:nvPicPr>
+          <p:cNvPr id="10" name="Imagen 9">
+            <a:extLst>
+              <a:ext uri="{FF2B5EF4-FFF2-40B4-BE49-F238E27FC236}">
+                <a16:creationId xmlns:a16="http://schemas.microsoft.com/office/drawing/2014/main" id="{1DE1C515-90E0-AD98-3841-F43879FB3786}"/>
+              </a:ext>
+            </a:extLst>
+          </p:cNvPr>
+          <p:cNvPicPr>
+            <a:picLocks noChangeAspect="1"/>
+          </p:cNvPicPr>
+          <p:nvPr/>
+        </p:nvPicPr>
+        <p:blipFill>
+          <a:blip r:embed="rId6"/>
+          <a:stretch>
+            <a:fillRect/>
+          </a:stretch>
+        </p:blipFill>
+        <p:spPr>
+          <a:xfrm>
+            <a:off x="2732658" y="2603745"/>
+            <a:ext cx="746825" cy="1501270"/>
+          </a:xfrm>
+          <a:prstGeom prst="rect">
+            <a:avLst/>
+          </a:prstGeom>
+        </p:spPr>
+      </p:pic>
+      <p:pic>
+        <p:nvPicPr>
+          <p:cNvPr id="11" name="Imagen 10">
+            <a:extLst>
+              <a:ext uri="{FF2B5EF4-FFF2-40B4-BE49-F238E27FC236}">
+                <a16:creationId xmlns:a16="http://schemas.microsoft.com/office/drawing/2014/main" id="{7A5D737F-F11C-3BD3-9D07-2418E8105077}"/>
+              </a:ext>
+            </a:extLst>
+          </p:cNvPr>
+          <p:cNvPicPr>
+            <a:picLocks noChangeAspect="1"/>
+          </p:cNvPicPr>
+          <p:nvPr/>
+        </p:nvPicPr>
+        <p:blipFill>
+          <a:blip r:embed="rId7"/>
+          <a:stretch>
+            <a:fillRect/>
+          </a:stretch>
+        </p:blipFill>
+        <p:spPr>
+          <a:xfrm>
+            <a:off x="3797878" y="2497056"/>
+            <a:ext cx="746825" cy="1607959"/>
+          </a:xfrm>
+          <a:prstGeom prst="rect">
+            <a:avLst/>
+          </a:prstGeom>
+        </p:spPr>
+      </p:pic>
+      <p:pic>
+        <p:nvPicPr>
+          <p:cNvPr id="12" name="Imagen 11">
+            <a:extLst>
+              <a:ext uri="{FF2B5EF4-FFF2-40B4-BE49-F238E27FC236}">
+                <a16:creationId xmlns:a16="http://schemas.microsoft.com/office/drawing/2014/main" id="{8CA5AF88-D8B0-577D-4714-3EA8F34FA624}"/>
+              </a:ext>
+            </a:extLst>
+          </p:cNvPr>
+          <p:cNvPicPr>
+            <a:picLocks noChangeAspect="1"/>
+          </p:cNvPicPr>
+          <p:nvPr/>
+        </p:nvPicPr>
+        <p:blipFill>
+          <a:blip r:embed="rId8"/>
+          <a:stretch>
+            <a:fillRect/>
+          </a:stretch>
+        </p:blipFill>
+        <p:spPr>
+          <a:xfrm>
+            <a:off x="3234595" y="4840829"/>
+            <a:ext cx="2475079" cy="1800636"/>
+          </a:xfrm>
+          <a:prstGeom prst="rect">
+            <a:avLst/>
+          </a:prstGeom>
+        </p:spPr>
+      </p:pic>
     </p:spTree>
     <p:extLst>
       <p:ext uri="{BB962C8B-B14F-4D97-AF65-F5344CB8AC3E}">
@@ -4993,7 +5173,7 @@
         </p:nvSpPr>
         <p:spPr>
           <a:xfrm>
-            <a:off x="1099930" y="2152830"/>
+            <a:off x="1278833" y="2152830"/>
             <a:ext cx="4028661" cy="369332"/>
           </a:xfrm>
           <a:prstGeom prst="rect">
@@ -5012,7 +5192,7 @@
                 <a:latin typeface="Arial" panose="020B0604020202020204" pitchFamily="34" charset="0"/>
                 <a:cs typeface="Arial" panose="020B0604020202020204" pitchFamily="34" charset="0"/>
               </a:rPr>
-              <a:t>GESTION DE CLIENTE</a:t>
+              <a:t>SEGUIMIENTO DE PEDIDOS</a:t>
             </a:r>
           </a:p>
         </p:txBody>
@@ -5070,7 +5250,7 @@
         <p:spPr>
           <a:xfrm>
             <a:off x="993914" y="2824442"/>
-            <a:ext cx="9806609" cy="1015663"/>
+            <a:ext cx="9806609" cy="707886"/>
           </a:xfrm>
           <a:prstGeom prst="rect">
             <a:avLst/>
@@ -5088,7 +5268,7 @@
                 <a:latin typeface="Arial" panose="020B0604020202020204" pitchFamily="34" charset="0"/>
                 <a:cs typeface="Arial" panose="020B0604020202020204" pitchFamily="34" charset="0"/>
               </a:rPr>
-              <a:t>En él nos permite organizar la información de los clientes, como su historial de compra, preferencias u otro . De la misma manera esto nos ayuda a nosotros para tener un registro claro de cada cliente a sus futuras compras .</a:t>
+              <a:t>En él nos permite visualizar el historial de pedidos de los clientes. De la misma manera esto nos ayuda a nosotros para tener un registro claro de cada.</a:t>
             </a:r>
           </a:p>
         </p:txBody>
@@ -5338,7 +5518,7 @@
         <p:spPr>
           <a:xfrm>
             <a:off x="1099930" y="3763617"/>
-            <a:ext cx="9064487" cy="1323439"/>
+            <a:ext cx="9064487" cy="1631216"/>
           </a:xfrm>
           <a:prstGeom prst="rect">
             <a:avLst/>
@@ -5356,7 +5536,7 @@
                 <a:latin typeface="Arial" panose="020B0604020202020204" pitchFamily="34" charset="0"/>
                 <a:cs typeface="Arial" panose="020B0604020202020204" pitchFamily="34" charset="0"/>
               </a:rPr>
-              <a:t>En este proceso analizamos todos los datos relacionados con las ventas, los productos más solicitados al momento de hacer la compra y el rendimiento en general de la tienda . Aquello nos permite tomar decisiones estratégicas para el crecimiento a futuro y así mismo llegar a más clientes .</a:t>
+              <a:t>En este proceso analizamos todos los datos relacionados con las ventas, los productos más solicitados al momento de hacer la compra por categoría y los productos menos demandados por marca. Aquello nos permite tomar decisiones estratégicas para el crecimiento a futuro y así mismo llegar a más clientes .</a:t>
             </a:r>
           </a:p>
         </p:txBody>
@@ -5466,7 +5646,7 @@
           <a:p>
             <a:r>
               <a:rPr lang="es-PE" dirty="0"/>
-              <a:t>1°</a:t>
+              <a:t>1°Adriano Rosas Granda</a:t>
             </a:r>
           </a:p>
         </p:txBody>
@@ -5501,7 +5681,7 @@
           <a:p>
             <a:r>
               <a:rPr lang="es-PE" dirty="0"/>
-              <a:t>2°</a:t>
+              <a:t>2° Queyvin Orlando Rodríguez Laguna</a:t>
             </a:r>
           </a:p>
         </p:txBody>
@@ -5536,7 +5716,7 @@
           <a:p>
             <a:r>
               <a:rPr lang="es-PE" dirty="0"/>
-              <a:t>3°</a:t>
+              <a:t>3° Jordan David toribio jimenes</a:t>
             </a:r>
           </a:p>
         </p:txBody>
@@ -5571,7 +5751,7 @@
           <a:p>
             <a:r>
               <a:rPr lang="es-PE" dirty="0"/>
-              <a:t>4°</a:t>
+              <a:t>4° Maria Fernanda Vivanco Arone</a:t>
             </a:r>
           </a:p>
         </p:txBody>
@@ -5606,7 +5786,7 @@
           <a:p>
             <a:r>
               <a:rPr lang="es-PE" dirty="0"/>
-              <a:t>5°</a:t>
+              <a:t>5° Maite Katherine Ayala Becerra</a:t>
             </a:r>
           </a:p>
         </p:txBody>
@@ -5641,7 +5821,7 @@
           <a:p>
             <a:r>
               <a:rPr lang="es-PE" dirty="0"/>
-              <a:t>6°</a:t>
+              <a:t>6° Yadira Milagros Yauce Segura</a:t>
             </a:r>
           </a:p>
         </p:txBody>

--- a/ELECTROSHOP.pptx
+++ b/ELECTROSHOP.pptx
@@ -289,7 +289,7 @@
           <a:p>
             <a:fld id="{1C8322F6-1C60-46CF-968C-BC20E470F443}" type="datetimeFigureOut">
               <a:rPr lang="en-US" smtClean="0"/>
-              <a:t>10/20/2024</a:t>
+              <a:t>10/21/2024</a:t>
             </a:fld>
             <a:endParaRPr lang="en-US"/>
           </a:p>
@@ -619,7 +619,7 @@
           <a:p>
             <a:fld id="{1C8322F6-1C60-46CF-968C-BC20E470F443}" type="datetimeFigureOut">
               <a:rPr lang="en-US" smtClean="0"/>
-              <a:t>10/20/2024</a:t>
+              <a:t>10/21/2024</a:t>
             </a:fld>
             <a:endParaRPr lang="en-US"/>
           </a:p>
@@ -799,7 +799,7 @@
           <a:p>
             <a:fld id="{1C8322F6-1C60-46CF-968C-BC20E470F443}" type="datetimeFigureOut">
               <a:rPr lang="en-US" smtClean="0"/>
-              <a:t>10/20/2024</a:t>
+              <a:t>10/21/2024</a:t>
             </a:fld>
             <a:endParaRPr lang="en-US"/>
           </a:p>
@@ -969,7 +969,7 @@
           <a:p>
             <a:fld id="{1C8322F6-1C60-46CF-968C-BC20E470F443}" type="datetimeFigureOut">
               <a:rPr lang="en-US" smtClean="0"/>
-              <a:t>10/20/2024</a:t>
+              <a:t>10/21/2024</a:t>
             </a:fld>
             <a:endParaRPr lang="en-US"/>
           </a:p>
@@ -1246,7 +1246,7 @@
           <a:p>
             <a:fld id="{1C8322F6-1C60-46CF-968C-BC20E470F443}" type="datetimeFigureOut">
               <a:rPr lang="en-US" smtClean="0"/>
-              <a:t>10/20/2024</a:t>
+              <a:t>10/21/2024</a:t>
             </a:fld>
             <a:endParaRPr lang="en-US"/>
           </a:p>
@@ -1640,7 +1640,7 @@
           <a:p>
             <a:fld id="{1C8322F6-1C60-46CF-968C-BC20E470F443}" type="datetimeFigureOut">
               <a:rPr lang="en-US" smtClean="0"/>
-              <a:t>10/20/2024</a:t>
+              <a:t>10/21/2024</a:t>
             </a:fld>
             <a:endParaRPr lang="en-US"/>
           </a:p>
@@ -2117,7 +2117,7 @@
           <a:p>
             <a:fld id="{1C8322F6-1C60-46CF-968C-BC20E470F443}" type="datetimeFigureOut">
               <a:rPr lang="en-US" smtClean="0"/>
-              <a:t>10/20/2024</a:t>
+              <a:t>10/21/2024</a:t>
             </a:fld>
             <a:endParaRPr lang="en-US"/>
           </a:p>
@@ -2235,7 +2235,7 @@
           <a:p>
             <a:fld id="{1C8322F6-1C60-46CF-968C-BC20E470F443}" type="datetimeFigureOut">
               <a:rPr lang="en-US" smtClean="0"/>
-              <a:t>10/20/2024</a:t>
+              <a:t>10/21/2024</a:t>
             </a:fld>
             <a:endParaRPr lang="en-US"/>
           </a:p>
@@ -2330,7 +2330,7 @@
           <a:p>
             <a:fld id="{1C8322F6-1C60-46CF-968C-BC20E470F443}" type="datetimeFigureOut">
               <a:rPr lang="en-US" smtClean="0"/>
-              <a:t>10/20/2024</a:t>
+              <a:t>10/21/2024</a:t>
             </a:fld>
             <a:endParaRPr lang="en-US"/>
           </a:p>
@@ -2676,7 +2676,7 @@
           <a:p>
             <a:fld id="{1C8322F6-1C60-46CF-968C-BC20E470F443}" type="datetimeFigureOut">
               <a:rPr lang="en-US" smtClean="0"/>
-              <a:t>10/20/2024</a:t>
+              <a:t>10/21/2024</a:t>
             </a:fld>
             <a:endParaRPr lang="en-US"/>
           </a:p>
@@ -3064,7 +3064,7 @@
           <a:p>
             <a:fld id="{1C8322F6-1C60-46CF-968C-BC20E470F443}" type="datetimeFigureOut">
               <a:rPr lang="en-US" smtClean="0"/>
-              <a:t>10/20/2024</a:t>
+              <a:t>10/21/2024</a:t>
             </a:fld>
             <a:endParaRPr lang="en-US"/>
           </a:p>
@@ -3342,7 +3342,7 @@
           <a:p>
             <a:fld id="{1C8322F6-1C60-46CF-968C-BC20E470F443}" type="datetimeFigureOut">
               <a:rPr lang="en-US" smtClean="0"/>
-              <a:t>10/20/2024</a:t>
+              <a:t>10/21/2024</a:t>
             </a:fld>
             <a:endParaRPr lang="en-US"/>
           </a:p>
@@ -4903,36 +4903,6 @@
       </p:sp>
       <p:pic>
         <p:nvPicPr>
-          <p:cNvPr id="2" name="Imagen 1">
-            <a:extLst>
-              <a:ext uri="{FF2B5EF4-FFF2-40B4-BE49-F238E27FC236}">
-                <a16:creationId xmlns:a16="http://schemas.microsoft.com/office/drawing/2014/main" id="{048BF5E9-DB62-EA55-F830-E316BEE614BB}"/>
-              </a:ext>
-            </a:extLst>
-          </p:cNvPr>
-          <p:cNvPicPr>
-            <a:picLocks noChangeAspect="1"/>
-          </p:cNvPicPr>
-          <p:nvPr/>
-        </p:nvPicPr>
-        <p:blipFill>
-          <a:blip r:embed="rId3"/>
-          <a:stretch>
-            <a:fillRect/>
-          </a:stretch>
-        </p:blipFill>
-        <p:spPr>
-          <a:xfrm>
-            <a:off x="6600888" y="2879495"/>
-            <a:ext cx="4223262" cy="2435841"/>
-          </a:xfrm>
-          <a:prstGeom prst="rect">
-            <a:avLst/>
-          </a:prstGeom>
-        </p:spPr>
-      </p:pic>
-      <p:pic>
-        <p:nvPicPr>
           <p:cNvPr id="7" name="Imagen 6">
             <a:extLst>
               <a:ext uri="{FF2B5EF4-FFF2-40B4-BE49-F238E27FC236}">
@@ -4946,7 +4916,7 @@
           <p:nvPr/>
         </p:nvPicPr>
         <p:blipFill>
-          <a:blip r:embed="rId4"/>
+          <a:blip r:embed="rId3"/>
           <a:stretch>
             <a:fillRect/>
           </a:stretch>
@@ -4976,75 +4946,15 @@
           <p:nvPr/>
         </p:nvPicPr>
         <p:blipFill>
-          <a:blip r:embed="rId5"/>
+          <a:blip r:embed="rId4"/>
           <a:stretch>
             <a:fillRect/>
           </a:stretch>
         </p:blipFill>
         <p:spPr>
           <a:xfrm>
-            <a:off x="1659818" y="2458458"/>
+            <a:off x="1770461" y="2447521"/>
             <a:ext cx="754445" cy="1707028"/>
-          </a:xfrm>
-          <a:prstGeom prst="rect">
-            <a:avLst/>
-          </a:prstGeom>
-        </p:spPr>
-      </p:pic>
-      <p:pic>
-        <p:nvPicPr>
-          <p:cNvPr id="10" name="Imagen 9">
-            <a:extLst>
-              <a:ext uri="{FF2B5EF4-FFF2-40B4-BE49-F238E27FC236}">
-                <a16:creationId xmlns:a16="http://schemas.microsoft.com/office/drawing/2014/main" id="{1DE1C515-90E0-AD98-3841-F43879FB3786}"/>
-              </a:ext>
-            </a:extLst>
-          </p:cNvPr>
-          <p:cNvPicPr>
-            <a:picLocks noChangeAspect="1"/>
-          </p:cNvPicPr>
-          <p:nvPr/>
-        </p:nvPicPr>
-        <p:blipFill>
-          <a:blip r:embed="rId6"/>
-          <a:stretch>
-            <a:fillRect/>
-          </a:stretch>
-        </p:blipFill>
-        <p:spPr>
-          <a:xfrm>
-            <a:off x="2732658" y="2603745"/>
-            <a:ext cx="746825" cy="1501270"/>
-          </a:xfrm>
-          <a:prstGeom prst="rect">
-            <a:avLst/>
-          </a:prstGeom>
-        </p:spPr>
-      </p:pic>
-      <p:pic>
-        <p:nvPicPr>
-          <p:cNvPr id="11" name="Imagen 10">
-            <a:extLst>
-              <a:ext uri="{FF2B5EF4-FFF2-40B4-BE49-F238E27FC236}">
-                <a16:creationId xmlns:a16="http://schemas.microsoft.com/office/drawing/2014/main" id="{7A5D737F-F11C-3BD3-9D07-2418E8105077}"/>
-              </a:ext>
-            </a:extLst>
-          </p:cNvPr>
-          <p:cNvPicPr>
-            <a:picLocks noChangeAspect="1"/>
-          </p:cNvPicPr>
-          <p:nvPr/>
-        </p:nvPicPr>
-        <p:blipFill>
-          <a:blip r:embed="rId7"/>
-          <a:stretch>
-            <a:fillRect/>
-          </a:stretch>
-        </p:blipFill>
-        <p:spPr>
-          <a:xfrm>
-            <a:off x="3797878" y="2497056"/>
-            <a:ext cx="746825" cy="1607959"/>
           </a:xfrm>
           <a:prstGeom prst="rect">
             <a:avLst/>
@@ -5066,7 +4976,7 @@
           <p:nvPr/>
         </p:nvPicPr>
         <p:blipFill>
-          <a:blip r:embed="rId8"/>
+          <a:blip r:embed="rId5"/>
           <a:stretch>
             <a:fillRect/>
           </a:stretch>
@@ -5075,6 +4985,66 @@
           <a:xfrm>
             <a:off x="3234595" y="4840829"/>
             <a:ext cx="2475079" cy="1800636"/>
+          </a:xfrm>
+          <a:prstGeom prst="rect">
+            <a:avLst/>
+          </a:prstGeom>
+        </p:spPr>
+      </p:pic>
+      <p:pic>
+        <p:nvPicPr>
+          <p:cNvPr id="14" name="Imagen 13">
+            <a:extLst>
+              <a:ext uri="{FF2B5EF4-FFF2-40B4-BE49-F238E27FC236}">
+                <a16:creationId xmlns:a16="http://schemas.microsoft.com/office/drawing/2014/main" id="{1360BC1D-B125-34AF-59F2-EC1EBD79AF54}"/>
+              </a:ext>
+            </a:extLst>
+          </p:cNvPr>
+          <p:cNvPicPr>
+            <a:picLocks noChangeAspect="1"/>
+          </p:cNvPicPr>
+          <p:nvPr/>
+        </p:nvPicPr>
+        <p:blipFill>
+          <a:blip r:embed="rId6"/>
+          <a:stretch>
+            <a:fillRect/>
+          </a:stretch>
+        </p:blipFill>
+        <p:spPr>
+          <a:xfrm>
+            <a:off x="6473688" y="2879495"/>
+            <a:ext cx="4685925" cy="2458685"/>
+          </a:xfrm>
+          <a:prstGeom prst="rect">
+            <a:avLst/>
+          </a:prstGeom>
+        </p:spPr>
+      </p:pic>
+      <p:pic>
+        <p:nvPicPr>
+          <p:cNvPr id="15" name="Imagen 14">
+            <a:extLst>
+              <a:ext uri="{FF2B5EF4-FFF2-40B4-BE49-F238E27FC236}">
+                <a16:creationId xmlns:a16="http://schemas.microsoft.com/office/drawing/2014/main" id="{D3699A53-ABA5-C1A2-BFE1-DD8A209583CC}"/>
+              </a:ext>
+            </a:extLst>
+          </p:cNvPr>
+          <p:cNvPicPr>
+            <a:picLocks noChangeAspect="1"/>
+          </p:cNvPicPr>
+          <p:nvPr/>
+        </p:nvPicPr>
+        <p:blipFill>
+          <a:blip r:embed="rId7"/>
+          <a:stretch>
+            <a:fillRect/>
+          </a:stretch>
+        </p:blipFill>
+        <p:spPr>
+          <a:xfrm>
+            <a:off x="2982758" y="2399859"/>
+            <a:ext cx="1126996" cy="1754690"/>
           </a:xfrm>
           <a:prstGeom prst="rect">
             <a:avLst/>
